--- a/docs/KryptoMagick WIQA.pptx
+++ b/docs/KryptoMagick WIQA.pptx
@@ -13,7 +13,6 @@
     <p:sldId id="261" r:id="rId8"/>
     <p:sldId id="262" r:id="rId9"/>
     <p:sldId id="263" r:id="rId10"/>
-    <p:sldId id="264" r:id="rId11"/>
   </p:sldIdLst>
   <p:sldSz cx="10080625" cy="5670550"/>
   <p:notesSz cx="7772400" cy="10058400"/>
@@ -1707,7 +1706,7 @@
           </a:bodyPr>
           <a:p>
             <a:pPr algn="r"/>
-            <a:fld id="{D4667687-2CC5-4034-9AF4-713F79BEF839}" type="slidenum">
+            <a:fld id="{7A7440A2-73D3-4EAF-A476-750AE7F34026}" type="slidenum">
               <a:rPr b="0" lang="en-US" sz="1400" spc="-1" strike="noStrike">
                 <a:latin typeface="Times New Roman"/>
               </a:rPr>
@@ -2026,7 +2025,7 @@
               <a:rPr b="0" lang="en-US" sz="4400" spc="-1" strike="noStrike">
                 <a:latin typeface="Arial"/>
               </a:rPr>
-              <a:t>Origin</a:t>
+              <a:t>Ciphers</a:t>
             </a:r>
             <a:endParaRPr b="0" lang="en-US" sz="4400" spc="-1" strike="noStrike">
               <a:latin typeface="Arial"/>
@@ -2073,7 +2072,95 @@
               <a:rPr b="0" lang="en-US" sz="3200" spc="-1" strike="noStrike">
                 <a:latin typeface="Arial"/>
               </a:rPr>
-              <a:t>Ancient Egyptian Vignettes</a:t>
+              <a:t>WIQA A Cipher</a:t>
+            </a:r>
+            <a:endParaRPr b="0" lang="en-US" sz="3200" spc="-1" strike="noStrike">
+              <a:latin typeface="Arial"/>
+            </a:endParaRPr>
+          </a:p>
+          <a:p>
+            <a:pPr marL="432000" indent="-324000">
+              <a:spcBef>
+                <a:spcPts val="1417"/>
+              </a:spcBef>
+              <a:buClr>
+                <a:srgbClr val="000000"/>
+              </a:buClr>
+              <a:buSzPct val="45000"/>
+              <a:buFont typeface="Wingdings" charset="2"/>
+              <a:buChar char=""/>
+            </a:pPr>
+            <a:r>
+              <a:rPr b="0" lang="en-US" sz="3200" spc="-1" strike="noStrike">
+                <a:latin typeface="Arial"/>
+              </a:rPr>
+              <a:t>WIQA B Cipher</a:t>
+            </a:r>
+            <a:endParaRPr b="0" lang="en-US" sz="3200" spc="-1" strike="noStrike">
+              <a:latin typeface="Arial"/>
+            </a:endParaRPr>
+          </a:p>
+          <a:p>
+            <a:pPr marL="432000" indent="-324000">
+              <a:spcBef>
+                <a:spcPts val="1417"/>
+              </a:spcBef>
+              <a:buClr>
+                <a:srgbClr val="000000"/>
+              </a:buClr>
+              <a:buSzPct val="45000"/>
+              <a:buFont typeface="Wingdings" charset="2"/>
+              <a:buChar char=""/>
+            </a:pPr>
+            <a:r>
+              <a:rPr b="0" lang="en-US" sz="3200" spc="-1" strike="noStrike">
+                <a:latin typeface="Arial"/>
+              </a:rPr>
+              <a:t>WIQA BA Cipher</a:t>
+            </a:r>
+            <a:endParaRPr b="0" lang="en-US" sz="3200" spc="-1" strike="noStrike">
+              <a:latin typeface="Arial"/>
+            </a:endParaRPr>
+          </a:p>
+          <a:p>
+            <a:pPr marL="432000" indent="-324000">
+              <a:spcBef>
+                <a:spcPts val="1417"/>
+              </a:spcBef>
+              <a:buClr>
+                <a:srgbClr val="000000"/>
+              </a:buClr>
+              <a:buSzPct val="45000"/>
+              <a:buFont typeface="Wingdings" charset="2"/>
+              <a:buChar char=""/>
+            </a:pPr>
+            <a:r>
+              <a:rPr b="0" lang="en-US" sz="3200" spc="-1" strike="noStrike">
+                <a:latin typeface="Arial"/>
+              </a:rPr>
+              <a:t>WIQA BB Cipher</a:t>
+            </a:r>
+            <a:endParaRPr b="0" lang="en-US" sz="3200" spc="-1" strike="noStrike">
+              <a:latin typeface="Arial"/>
+            </a:endParaRPr>
+          </a:p>
+          <a:p>
+            <a:pPr marL="432000" indent="-324000">
+              <a:spcBef>
+                <a:spcPts val="1417"/>
+              </a:spcBef>
+              <a:buClr>
+                <a:srgbClr val="000000"/>
+              </a:buClr>
+              <a:buSzPct val="45000"/>
+              <a:buFont typeface="Wingdings" charset="2"/>
+              <a:buChar char=""/>
+            </a:pPr>
+            <a:r>
+              <a:rPr b="0" lang="en-US" sz="3200" spc="-1" strike="noStrike">
+                <a:latin typeface="Arial"/>
+              </a:rPr>
+              <a:t>WIQA BC Cipher</a:t>
             </a:r>
             <a:endParaRPr b="0" lang="en-US" sz="3200" spc="-1" strike="noStrike">
               <a:latin typeface="Arial"/>
@@ -2140,7 +2227,7 @@
               <a:rPr b="0" lang="en-US" sz="4400" spc="-1" strike="noStrike">
                 <a:latin typeface="Arial"/>
               </a:rPr>
-              <a:t>FTU</a:t>
+              <a:t>Origin</a:t>
             </a:r>
             <a:endParaRPr b="0" lang="en-US" sz="4400" spc="-1" strike="noStrike">
               <a:latin typeface="Arial"/>
@@ -2187,51 +2274,7 @@
               <a:rPr b="0" lang="en-US" sz="3200" spc="-1" strike="noStrike">
                 <a:latin typeface="Arial"/>
               </a:rPr>
-              <a:t>Pronounced FETU</a:t>
-            </a:r>
-            <a:endParaRPr b="0" lang="en-US" sz="3200" spc="-1" strike="noStrike">
-              <a:latin typeface="Arial"/>
-            </a:endParaRPr>
-          </a:p>
-          <a:p>
-            <a:pPr marL="432000" indent="-324000">
-              <a:spcBef>
-                <a:spcPts val="1417"/>
-              </a:spcBef>
-              <a:buClr>
-                <a:srgbClr val="000000"/>
-              </a:buClr>
-              <a:buSzPct val="45000"/>
-              <a:buFont typeface="Wingdings" charset="2"/>
-              <a:buChar char=""/>
-            </a:pPr>
-            <a:r>
-              <a:rPr b="0" lang="en-US" sz="3200" spc="-1" strike="noStrike">
-                <a:latin typeface="Arial"/>
-              </a:rPr>
-              <a:t>Egyptian for the number four (4)</a:t>
-            </a:r>
-            <a:endParaRPr b="0" lang="en-US" sz="3200" spc="-1" strike="noStrike">
-              <a:latin typeface="Arial"/>
-            </a:endParaRPr>
-          </a:p>
-          <a:p>
-            <a:pPr marL="432000" indent="-324000">
-              <a:spcBef>
-                <a:spcPts val="1417"/>
-              </a:spcBef>
-              <a:buClr>
-                <a:srgbClr val="000000"/>
-              </a:buClr>
-              <a:buSzPct val="45000"/>
-              <a:buFont typeface="Wingdings" charset="2"/>
-              <a:buChar char=""/>
-            </a:pPr>
-            <a:r>
-              <a:rPr b="0" lang="en-US" sz="3200" spc="-1" strike="noStrike">
-                <a:latin typeface="Arial"/>
-              </a:rPr>
-              <a:t>Write FTU on a sheet of paper, circle it</a:t>
+              <a:t>Inspired by Ancient Egyptian Vignettes</a:t>
             </a:r>
             <a:endParaRPr b="0" lang="en-US" sz="3200" spc="-1" strike="noStrike">
               <a:latin typeface="Arial"/>
@@ -2345,7 +2388,7 @@
               <a:rPr b="0" lang="en-US" sz="3200" spc="-1" strike="noStrike">
                 <a:latin typeface="Arial"/>
               </a:rPr>
-              <a:t>Write F T U on the line below</a:t>
+              <a:t>Pronounced FETU</a:t>
             </a:r>
             <a:endParaRPr b="0" lang="en-US" sz="3200" spc="-1" strike="noStrike">
               <a:latin typeface="Arial"/>
@@ -2367,7 +2410,7 @@
               <a:rPr b="0" lang="en-US" sz="3200" spc="-1" strike="noStrike">
                 <a:latin typeface="Arial"/>
               </a:rPr>
-              <a:t>F = Multiplication</a:t>
+              <a:t>Egyptian for the number four (4)</a:t>
             </a:r>
             <a:endParaRPr b="0" lang="en-US" sz="3200" spc="-1" strike="noStrike">
               <a:latin typeface="Arial"/>
@@ -2389,51 +2432,7 @@
               <a:rPr b="0" lang="en-US" sz="3200" spc="-1" strike="noStrike">
                 <a:latin typeface="Arial"/>
               </a:rPr>
-              <a:t>T = Addition</a:t>
-            </a:r>
-            <a:endParaRPr b="0" lang="en-US" sz="3200" spc="-1" strike="noStrike">
-              <a:latin typeface="Arial"/>
-            </a:endParaRPr>
-          </a:p>
-          <a:p>
-            <a:pPr marL="432000" indent="-324000">
-              <a:spcBef>
-                <a:spcPts val="1417"/>
-              </a:spcBef>
-              <a:buClr>
-                <a:srgbClr val="000000"/>
-              </a:buClr>
-              <a:buSzPct val="45000"/>
-              <a:buFont typeface="Wingdings" charset="2"/>
-              <a:buChar char=""/>
-            </a:pPr>
-            <a:r>
-              <a:rPr b="0" lang="en-US" sz="3200" spc="-1" strike="noStrike">
-                <a:latin typeface="Arial"/>
-              </a:rPr>
-              <a:t>U = Subtraction</a:t>
-            </a:r>
-            <a:endParaRPr b="0" lang="en-US" sz="3200" spc="-1" strike="noStrike">
-              <a:latin typeface="Arial"/>
-            </a:endParaRPr>
-          </a:p>
-          <a:p>
-            <a:pPr marL="432000" indent="-324000">
-              <a:spcBef>
-                <a:spcPts val="1417"/>
-              </a:spcBef>
-              <a:buClr>
-                <a:srgbClr val="000000"/>
-              </a:buClr>
-              <a:buSzPct val="45000"/>
-              <a:buFont typeface="Wingdings" charset="2"/>
-              <a:buChar char=""/>
-            </a:pPr>
-            <a:r>
-              <a:rPr b="0" lang="en-US" sz="3200" spc="-1" strike="noStrike">
-                <a:latin typeface="Arial"/>
-              </a:rPr>
-              <a:t>Spacing the letters of FTU = Division</a:t>
+              <a:t>Write FTU on a sheet of paper, circle it</a:t>
             </a:r>
             <a:endParaRPr b="0" lang="en-US" sz="3200" spc="-1" strike="noStrike">
               <a:latin typeface="Arial"/>
@@ -2547,7 +2546,7 @@
               <a:rPr b="0" lang="en-US" sz="3200" spc="-1" strike="noStrike">
                 <a:latin typeface="Arial"/>
               </a:rPr>
-              <a:t>Circling and crossing the T = XOR</a:t>
+              <a:t>Write F T U on the line below</a:t>
             </a:r>
             <a:endParaRPr b="0" lang="en-US" sz="3200" spc="-1" strike="noStrike">
               <a:latin typeface="Arial"/>
@@ -2569,7 +2568,7 @@
               <a:rPr b="0" lang="en-US" sz="3200" spc="-1" strike="noStrike">
                 <a:latin typeface="Arial"/>
               </a:rPr>
-              <a:t>XOR = Addition modulo 2</a:t>
+              <a:t>F = Multiplication</a:t>
             </a:r>
             <a:endParaRPr b="0" lang="en-US" sz="3200" spc="-1" strike="noStrike">
               <a:latin typeface="Arial"/>
@@ -2591,7 +2590,51 @@
               <a:rPr b="0" lang="en-US" sz="3200" spc="-1" strike="noStrike">
                 <a:latin typeface="Arial"/>
               </a:rPr>
-              <a:t>Addition modulo 2 =  </a:t>
+              <a:t>T = Addition</a:t>
+            </a:r>
+            <a:endParaRPr b="0" lang="en-US" sz="3200" spc="-1" strike="noStrike">
+              <a:latin typeface="Arial"/>
+            </a:endParaRPr>
+          </a:p>
+          <a:p>
+            <a:pPr marL="432000" indent="-324000">
+              <a:spcBef>
+                <a:spcPts val="1417"/>
+              </a:spcBef>
+              <a:buClr>
+                <a:srgbClr val="000000"/>
+              </a:buClr>
+              <a:buSzPct val="45000"/>
+              <a:buFont typeface="Wingdings" charset="2"/>
+              <a:buChar char=""/>
+            </a:pPr>
+            <a:r>
+              <a:rPr b="0" lang="en-US" sz="3200" spc="-1" strike="noStrike">
+                <a:latin typeface="Arial"/>
+              </a:rPr>
+              <a:t>U = Subtraction</a:t>
+            </a:r>
+            <a:endParaRPr b="0" lang="en-US" sz="3200" spc="-1" strike="noStrike">
+              <a:latin typeface="Arial"/>
+            </a:endParaRPr>
+          </a:p>
+          <a:p>
+            <a:pPr marL="432000" indent="-324000">
+              <a:spcBef>
+                <a:spcPts val="1417"/>
+              </a:spcBef>
+              <a:buClr>
+                <a:srgbClr val="000000"/>
+              </a:buClr>
+              <a:buSzPct val="45000"/>
+              <a:buFont typeface="Wingdings" charset="2"/>
+              <a:buChar char=""/>
+            </a:pPr>
+            <a:r>
+              <a:rPr b="0" lang="en-US" sz="3200" spc="-1" strike="noStrike">
+                <a:latin typeface="Arial"/>
+              </a:rPr>
+              <a:t>Spacing the letters of FTU = Division</a:t>
             </a:r>
             <a:endParaRPr b="0" lang="en-US" sz="3200" spc="-1" strike="noStrike">
               <a:latin typeface="Arial"/>
@@ -2658,7 +2701,7 @@
               <a:rPr b="0" lang="en-US" sz="4400" spc="-1" strike="noStrike">
                 <a:latin typeface="Arial"/>
               </a:rPr>
-              <a:t>Ciphers</a:t>
+              <a:t>FTU</a:t>
             </a:r>
             <a:endParaRPr b="0" lang="en-US" sz="4400" spc="-1" strike="noStrike">
               <a:latin typeface="Arial"/>
@@ -2705,7 +2748,7 @@
               <a:rPr b="0" lang="en-US" sz="3200" spc="-1" strike="noStrike">
                 <a:latin typeface="Arial"/>
               </a:rPr>
-              <a:t>WIQA B Cipher</a:t>
+              <a:t>Circling and crossing the T = XOR</a:t>
             </a:r>
             <a:endParaRPr b="0" lang="en-US" sz="3200" spc="-1" strike="noStrike">
               <a:latin typeface="Arial"/>
@@ -2727,7 +2770,7 @@
               <a:rPr b="0" lang="en-US" sz="3200" spc="-1" strike="noStrike">
                 <a:latin typeface="Arial"/>
               </a:rPr>
-              <a:t>WIQA BA Cipher</a:t>
+              <a:t>XOR = Addition modulo 2</a:t>
             </a:r>
             <a:endParaRPr b="0" lang="en-US" sz="3200" spc="-1" strike="noStrike">
               <a:latin typeface="Arial"/>
@@ -2749,51 +2792,7 @@
               <a:rPr b="0" lang="en-US" sz="3200" spc="-1" strike="noStrike">
                 <a:latin typeface="Arial"/>
               </a:rPr>
-              <a:t>WIQA BB Cipher</a:t>
-            </a:r>
-            <a:endParaRPr b="0" lang="en-US" sz="3200" spc="-1" strike="noStrike">
-              <a:latin typeface="Arial"/>
-            </a:endParaRPr>
-          </a:p>
-          <a:p>
-            <a:pPr marL="432000" indent="-324000">
-              <a:spcBef>
-                <a:spcPts val="1417"/>
-              </a:spcBef>
-              <a:buClr>
-                <a:srgbClr val="000000"/>
-              </a:buClr>
-              <a:buSzPct val="45000"/>
-              <a:buFont typeface="Wingdings" charset="2"/>
-              <a:buChar char=""/>
-            </a:pPr>
-            <a:r>
-              <a:rPr b="0" lang="en-US" sz="3200" spc="-1" strike="noStrike">
-                <a:latin typeface="Arial"/>
-              </a:rPr>
-              <a:t>WIQA BC Cipher</a:t>
-            </a:r>
-            <a:endParaRPr b="0" lang="en-US" sz="3200" spc="-1" strike="noStrike">
-              <a:latin typeface="Arial"/>
-            </a:endParaRPr>
-          </a:p>
-          <a:p>
-            <a:pPr marL="432000" indent="-324000">
-              <a:spcBef>
-                <a:spcPts val="1417"/>
-              </a:spcBef>
-              <a:buClr>
-                <a:srgbClr val="000000"/>
-              </a:buClr>
-              <a:buSzPct val="45000"/>
-              <a:buFont typeface="Wingdings" charset="2"/>
-              <a:buChar char=""/>
-            </a:pPr>
-            <a:r>
-              <a:rPr b="0" lang="en-US" sz="3200" spc="-1" strike="noStrike">
-                <a:latin typeface="Arial"/>
-              </a:rPr>
-              <a:t>WIQA A Cipher</a:t>
+              <a:t>Addition modulo 2 =  </a:t>
             </a:r>
             <a:endParaRPr b="0" lang="en-US" sz="3200" spc="-1" strike="noStrike">
               <a:latin typeface="Arial"/>
@@ -2871,136 +2870,6 @@
       <p:sp>
         <p:nvSpPr>
           <p:cNvPr id="57" name="TextShape 2"/>
-          <p:cNvSpPr txBox="1"/>
-          <p:nvPr/>
-        </p:nvSpPr>
-        <p:spPr>
-          <a:xfrm>
-            <a:off x="504000" y="1326600"/>
-            <a:ext cx="9071640" cy="3288240"/>
-          </a:xfrm>
-          <a:prstGeom prst="rect">
-            <a:avLst/>
-          </a:prstGeom>
-          <a:noFill/>
-          <a:ln>
-            <a:noFill/>
-          </a:ln>
-        </p:spPr>
-        <p:txBody>
-          <a:bodyPr lIns="0" rIns="0" tIns="0" bIns="0">
-            <a:normAutofit/>
-          </a:bodyPr>
-          <a:p>
-            <a:pPr marL="432000" indent="-324000" algn="ctr">
-              <a:spcBef>
-                <a:spcPts val="1417"/>
-              </a:spcBef>
-              <a:buClr>
-                <a:srgbClr val="000000"/>
-              </a:buClr>
-              <a:buSzPct val="45000"/>
-              <a:buFont typeface="Wingdings" charset="2"/>
-              <a:buChar char=""/>
-            </a:pPr>
-            <a:endParaRPr b="0" lang="en-US" sz="3200" spc="-1" strike="noStrike">
-              <a:latin typeface="Arial"/>
-            </a:endParaRPr>
-          </a:p>
-          <a:p>
-            <a:pPr marL="432000" indent="-324000" algn="ctr">
-              <a:spcBef>
-                <a:spcPts val="1417"/>
-              </a:spcBef>
-              <a:buClr>
-                <a:srgbClr val="000000"/>
-              </a:buClr>
-              <a:buSzPct val="45000"/>
-              <a:buFont typeface="Wingdings" charset="2"/>
-              <a:buChar char=""/>
-            </a:pPr>
-            <a:r>
-              <a:rPr b="0" lang="en-US" sz="3200" spc="-1" strike="noStrike">
-                <a:latin typeface="Arial"/>
-              </a:rPr>
-              <a:t>Mirror mirror on the wall, which cipher is the fairest of them all</a:t>
-            </a:r>
-            <a:endParaRPr b="0" lang="en-US" sz="3200" spc="-1" strike="noStrike">
-              <a:latin typeface="Arial"/>
-            </a:endParaRPr>
-          </a:p>
-        </p:txBody>
-      </p:sp>
-    </p:spTree>
-  </p:cSld>
-  <mc:AlternateContent>
-    <mc:Choice Requires="p14">
-      <p:transition spd="slow" p14:dur="2000"/>
-    </mc:Choice>
-    <mc:Fallback>
-      <p:transition spd="slow"/>
-    </mc:Fallback>
-  </mc:AlternateContent>
-</p:sld>
-</file>
-
-<file path=ppt/slides/slide9.xml><?xml version="1.0" encoding="utf-8"?>
-<p:sld xmlns:a="http://schemas.openxmlformats.org/drawingml/2006/main" xmlns:p="http://schemas.openxmlformats.org/presentationml/2006/main" xmlns:r="http://schemas.openxmlformats.org/officeDocument/2006/relationships" xmlns:p14="http://schemas.microsoft.com/office/powerpoint/2010/main" xmlns:p15="http://schemas.microsoft.com/office/powerpoint/2012/main" xmlns:mc="http://schemas.openxmlformats.org/markup-compatibility/2006">
-  <p:cSld>
-    <p:spTree>
-      <p:nvGrpSpPr>
-        <p:cNvPr id="1" name=""/>
-        <p:cNvGrpSpPr/>
-        <p:nvPr/>
-      </p:nvGrpSpPr>
-      <p:grpSpPr>
-        <a:xfrm>
-          <a:off x="0" y="0"/>
-          <a:ext cx="0" cy="0"/>
-          <a:chOff x="0" y="0"/>
-          <a:chExt cx="0" cy="0"/>
-        </a:xfrm>
-      </p:grpSpPr>
-      <p:sp>
-        <p:nvSpPr>
-          <p:cNvPr id="58" name="TextShape 1"/>
-          <p:cNvSpPr txBox="1"/>
-          <p:nvPr/>
-        </p:nvSpPr>
-        <p:spPr>
-          <a:xfrm>
-            <a:off x="504000" y="226080"/>
-            <a:ext cx="9071640" cy="946440"/>
-          </a:xfrm>
-          <a:prstGeom prst="rect">
-            <a:avLst/>
-          </a:prstGeom>
-          <a:noFill/>
-          <a:ln>
-            <a:noFill/>
-          </a:ln>
-        </p:spPr>
-        <p:txBody>
-          <a:bodyPr lIns="0" rIns="0" tIns="0" bIns="0" anchor="ctr">
-            <a:spAutoFit/>
-          </a:bodyPr>
-          <a:p>
-            <a:pPr algn="ctr"/>
-            <a:r>
-              <a:rPr b="0" lang="en-US" sz="4400" spc="-1" strike="noStrike">
-                <a:latin typeface="Arial"/>
-              </a:rPr>
-              <a:t>_</a:t>
-            </a:r>
-            <a:endParaRPr b="0" lang="en-US" sz="4400" spc="-1" strike="noStrike">
-              <a:latin typeface="Arial"/>
-            </a:endParaRPr>
-          </a:p>
-        </p:txBody>
-      </p:sp>
-      <p:sp>
-        <p:nvSpPr>
-          <p:cNvPr id="59" name="TextShape 2"/>
           <p:cNvSpPr txBox="1"/>
           <p:nvPr/>
         </p:nvSpPr>
